--- a/Presentations/ASN1/ASN.1.pptx
+++ b/Presentations/ASN1/ASN.1.pptx
@@ -348,7 +348,7 @@
               <a:pPr>
                 <a:defRPr/>
               </a:pPr>
-              <a:t>11/02/2015</a:t>
+              <a:t>14/03/2015</a:t>
             </a:fld>
             <a:endParaRPr lang="fr-CA"/>
           </a:p>
@@ -540,7 +540,7 @@
               <a:pPr>
                 <a:defRPr/>
               </a:pPr>
-              <a:t>11/02/2015</a:t>
+              <a:t>14/03/2015</a:t>
             </a:fld>
             <a:endParaRPr lang="fr-CA"/>
           </a:p>
@@ -742,7 +742,7 @@
               <a:pPr>
                 <a:defRPr/>
               </a:pPr>
-              <a:t>11/02/2015</a:t>
+              <a:t>14/03/2015</a:t>
             </a:fld>
             <a:endParaRPr lang="fr-CA"/>
           </a:p>
@@ -934,7 +934,7 @@
               <a:pPr>
                 <a:defRPr/>
               </a:pPr>
-              <a:t>11/02/2015</a:t>
+              <a:t>14/03/2015</a:t>
             </a:fld>
             <a:endParaRPr lang="fr-CA"/>
           </a:p>
@@ -1202,7 +1202,7 @@
               <a:pPr>
                 <a:defRPr/>
               </a:pPr>
-              <a:t>11/02/2015</a:t>
+              <a:t>14/03/2015</a:t>
             </a:fld>
             <a:endParaRPr lang="fr-CA"/>
           </a:p>
@@ -1512,7 +1512,7 @@
               <a:pPr>
                 <a:defRPr/>
               </a:pPr>
-              <a:t>11/02/2015</a:t>
+              <a:t>14/03/2015</a:t>
             </a:fld>
             <a:endParaRPr lang="fr-CA"/>
           </a:p>
@@ -1956,7 +1956,7 @@
               <a:pPr>
                 <a:defRPr/>
               </a:pPr>
-              <a:t>11/02/2015</a:t>
+              <a:t>14/03/2015</a:t>
             </a:fld>
             <a:endParaRPr lang="fr-CA"/>
           </a:p>
@@ -2096,7 +2096,7 @@
               <a:pPr>
                 <a:defRPr/>
               </a:pPr>
-              <a:t>11/02/2015</a:t>
+              <a:t>14/03/2015</a:t>
             </a:fld>
             <a:endParaRPr lang="fr-CA"/>
           </a:p>
@@ -2213,7 +2213,7 @@
               <a:pPr>
                 <a:defRPr/>
               </a:pPr>
-              <a:t>11/02/2015</a:t>
+              <a:t>14/03/2015</a:t>
             </a:fld>
             <a:endParaRPr lang="fr-CA"/>
           </a:p>
@@ -2512,7 +2512,7 @@
               <a:pPr>
                 <a:defRPr/>
               </a:pPr>
-              <a:t>11/02/2015</a:t>
+              <a:t>14/03/2015</a:t>
             </a:fld>
             <a:endParaRPr lang="fr-CA"/>
           </a:p>
@@ -2794,7 +2794,7 @@
               <a:pPr>
                 <a:defRPr/>
               </a:pPr>
-              <a:t>11/02/2015</a:t>
+              <a:t>14/03/2015</a:t>
             </a:fld>
             <a:endParaRPr lang="fr-CA"/>
           </a:p>
@@ -3058,7 +3058,7 @@
               <a:pPr>
                 <a:defRPr/>
               </a:pPr>
-              <a:t>11/02/2015</a:t>
+              <a:t>14/03/2015</a:t>
             </a:fld>
             <a:endParaRPr lang="fr-CA"/>
           </a:p>
@@ -3914,7 +3914,7 @@
     </p:spTree>
     <p:extLst>
       <p:ext uri="{BB962C8B-B14F-4D97-AF65-F5344CB8AC3E}">
-        <p14:creationId xmlns:p14="http://schemas.microsoft.com/office/powerpoint/2010/main" xmlns="" val="992955011"/>
+        <p14:creationId xmlns:p14="http://schemas.microsoft.com/office/powerpoint/2010/main" val="992955011"/>
       </p:ext>
     </p:extLst>
   </p:cSld>
@@ -4134,7 +4134,7 @@
     </p:spTree>
     <p:extLst>
       <p:ext uri="{BB962C8B-B14F-4D97-AF65-F5344CB8AC3E}">
-        <p14:creationId xmlns:p14="http://schemas.microsoft.com/office/powerpoint/2010/main" xmlns="" val="236988812"/>
+        <p14:creationId xmlns:p14="http://schemas.microsoft.com/office/powerpoint/2010/main" val="236988812"/>
       </p:ext>
     </p:extLst>
   </p:cSld>
@@ -4250,7 +4250,7 @@
           <a:blip r:embed="rId3" cstate="print">
             <a:extLst>
               <a:ext uri="{28A0092B-C50C-407E-A947-70E740481C1C}">
-                <a14:useLocalDpi xmlns:a14="http://schemas.microsoft.com/office/drawing/2010/main" xmlns="" val="0"/>
+                <a14:useLocalDpi xmlns:a14="http://schemas.microsoft.com/office/drawing/2010/main" val="0"/>
               </a:ext>
             </a:extLst>
           </a:blip>
@@ -4274,14 +4274,14 @@
           <a:effectLst/>
           <a:extLst>
             <a:ext uri="{909E8E84-426E-40DD-AFC4-6F175D3DCCD1}">
-              <a14:hiddenFill xmlns:a14="http://schemas.microsoft.com/office/drawing/2010/main" xmlns="">
+              <a14:hiddenFill xmlns:a14="http://schemas.microsoft.com/office/drawing/2010/main">
                 <a:solidFill>
                   <a:schemeClr val="accent1"/>
                 </a:solidFill>
               </a14:hiddenFill>
             </a:ext>
             <a:ext uri="{91240B29-F687-4F45-9708-019B960494DF}">
-              <a14:hiddenLine xmlns:a14="http://schemas.microsoft.com/office/drawing/2010/main" xmlns="" w="9525">
+              <a14:hiddenLine xmlns:a14="http://schemas.microsoft.com/office/drawing/2010/main" w="9525">
                 <a:solidFill>
                   <a:schemeClr val="tx1"/>
                 </a:solidFill>
@@ -4291,7 +4291,7 @@
               </a14:hiddenLine>
             </a:ext>
             <a:ext uri="{AF507438-7753-43E0-B8FC-AC1667EBCBE1}">
-              <a14:hiddenEffects xmlns:a14="http://schemas.microsoft.com/office/drawing/2010/main" xmlns="">
+              <a14:hiddenEffects xmlns:a14="http://schemas.microsoft.com/office/drawing/2010/main">
                 <a:effectLst>
                   <a:outerShdw dist="35921" dir="2700000" algn="ctr" rotWithShape="0">
                     <a:schemeClr val="bg2"/>
@@ -4305,7 +4305,7 @@
     </p:spTree>
     <p:extLst>
       <p:ext uri="{BB962C8B-B14F-4D97-AF65-F5344CB8AC3E}">
-        <p14:creationId xmlns:p14="http://schemas.microsoft.com/office/powerpoint/2010/main" xmlns="" val="3256795679"/>
+        <p14:creationId xmlns:p14="http://schemas.microsoft.com/office/powerpoint/2010/main" val="3256795679"/>
       </p:ext>
     </p:extLst>
   </p:cSld>
@@ -4513,7 +4513,7 @@
     </p:spTree>
     <p:extLst>
       <p:ext uri="{BB962C8B-B14F-4D97-AF65-F5344CB8AC3E}">
-        <p14:creationId xmlns:p14="http://schemas.microsoft.com/office/powerpoint/2010/main" xmlns="" val="1314141090"/>
+        <p14:creationId xmlns:p14="http://schemas.microsoft.com/office/powerpoint/2010/main" val="1314141090"/>
       </p:ext>
     </p:extLst>
   </p:cSld>
@@ -4751,7 +4751,7 @@
     </p:spTree>
     <p:extLst>
       <p:ext uri="{BB962C8B-B14F-4D97-AF65-F5344CB8AC3E}">
-        <p14:creationId xmlns:p14="http://schemas.microsoft.com/office/powerpoint/2010/main" xmlns="" val="1037031736"/>
+        <p14:creationId xmlns:p14="http://schemas.microsoft.com/office/powerpoint/2010/main" val="1037031736"/>
       </p:ext>
     </p:extLst>
   </p:cSld>
@@ -4978,7 +4978,7 @@
     </p:spTree>
     <p:extLst>
       <p:ext uri="{BB962C8B-B14F-4D97-AF65-F5344CB8AC3E}">
-        <p14:creationId xmlns:p14="http://schemas.microsoft.com/office/powerpoint/2010/main" xmlns="" val="1635669333"/>
+        <p14:creationId xmlns:p14="http://schemas.microsoft.com/office/powerpoint/2010/main" val="1635669333"/>
       </p:ext>
     </p:extLst>
   </p:cSld>
@@ -5184,7 +5184,7 @@
     </p:spTree>
     <p:extLst>
       <p:ext uri="{BB962C8B-B14F-4D97-AF65-F5344CB8AC3E}">
-        <p14:creationId xmlns:p14="http://schemas.microsoft.com/office/powerpoint/2010/main" xmlns="" val="1110817580"/>
+        <p14:creationId xmlns:p14="http://schemas.microsoft.com/office/powerpoint/2010/main" val="1110817580"/>
       </p:ext>
     </p:extLst>
   </p:cSld>
@@ -5327,7 +5327,7 @@
           <a:blip r:embed="rId3" cstate="print">
             <a:extLst>
               <a:ext uri="{28A0092B-C50C-407E-A947-70E740481C1C}">
-                <a14:useLocalDpi xmlns:a14="http://schemas.microsoft.com/office/drawing/2010/main" xmlns="" val="0"/>
+                <a14:useLocalDpi xmlns:a14="http://schemas.microsoft.com/office/drawing/2010/main" val="0"/>
               </a:ext>
             </a:extLst>
           </a:blip>
@@ -5351,14 +5351,14 @@
           <a:effectLst/>
           <a:extLst>
             <a:ext uri="{909E8E84-426E-40DD-AFC4-6F175D3DCCD1}">
-              <a14:hiddenFill xmlns:a14="http://schemas.microsoft.com/office/drawing/2010/main" xmlns="">
+              <a14:hiddenFill xmlns:a14="http://schemas.microsoft.com/office/drawing/2010/main">
                 <a:solidFill>
                   <a:schemeClr val="accent1"/>
                 </a:solidFill>
               </a14:hiddenFill>
             </a:ext>
             <a:ext uri="{91240B29-F687-4F45-9708-019B960494DF}">
-              <a14:hiddenLine xmlns:a14="http://schemas.microsoft.com/office/drawing/2010/main" xmlns="" w="9525">
+              <a14:hiddenLine xmlns:a14="http://schemas.microsoft.com/office/drawing/2010/main" w="9525">
                 <a:solidFill>
                   <a:schemeClr val="tx1"/>
                 </a:solidFill>
@@ -5368,7 +5368,7 @@
               </a14:hiddenLine>
             </a:ext>
             <a:ext uri="{AF507438-7753-43E0-B8FC-AC1667EBCBE1}">
-              <a14:hiddenEffects xmlns:a14="http://schemas.microsoft.com/office/drawing/2010/main" xmlns="">
+              <a14:hiddenEffects xmlns:a14="http://schemas.microsoft.com/office/drawing/2010/main">
                 <a:effectLst>
                   <a:outerShdw dist="35921" dir="2700000" algn="ctr" rotWithShape="0">
                     <a:schemeClr val="bg2"/>
@@ -5382,7 +5382,7 @@
     </p:spTree>
     <p:extLst>
       <p:ext uri="{BB962C8B-B14F-4D97-AF65-F5344CB8AC3E}">
-        <p14:creationId xmlns:p14="http://schemas.microsoft.com/office/powerpoint/2010/main" xmlns="" val="557327969"/>
+        <p14:creationId xmlns:p14="http://schemas.microsoft.com/office/powerpoint/2010/main" val="557327969"/>
       </p:ext>
     </p:extLst>
   </p:cSld>
@@ -5518,7 +5518,7 @@
           <a:blip r:embed="rId3" cstate="print">
             <a:extLst>
               <a:ext uri="{28A0092B-C50C-407E-A947-70E740481C1C}">
-                <a14:useLocalDpi xmlns:a14="http://schemas.microsoft.com/office/drawing/2010/main" xmlns="" val="0"/>
+                <a14:useLocalDpi xmlns:a14="http://schemas.microsoft.com/office/drawing/2010/main" val="0"/>
               </a:ext>
             </a:extLst>
           </a:blip>
@@ -5542,14 +5542,14 @@
           <a:effectLst/>
           <a:extLst>
             <a:ext uri="{909E8E84-426E-40DD-AFC4-6F175D3DCCD1}">
-              <a14:hiddenFill xmlns:a14="http://schemas.microsoft.com/office/drawing/2010/main" xmlns="">
+              <a14:hiddenFill xmlns:a14="http://schemas.microsoft.com/office/drawing/2010/main">
                 <a:solidFill>
                   <a:schemeClr val="accent1"/>
                 </a:solidFill>
               </a14:hiddenFill>
             </a:ext>
             <a:ext uri="{91240B29-F687-4F45-9708-019B960494DF}">
-              <a14:hiddenLine xmlns:a14="http://schemas.microsoft.com/office/drawing/2010/main" xmlns="" w="9525">
+              <a14:hiddenLine xmlns:a14="http://schemas.microsoft.com/office/drawing/2010/main" w="9525">
                 <a:solidFill>
                   <a:schemeClr val="tx1"/>
                 </a:solidFill>
@@ -5559,7 +5559,7 @@
               </a14:hiddenLine>
             </a:ext>
             <a:ext uri="{AF507438-7753-43E0-B8FC-AC1667EBCBE1}">
-              <a14:hiddenEffects xmlns:a14="http://schemas.microsoft.com/office/drawing/2010/main" xmlns="">
+              <a14:hiddenEffects xmlns:a14="http://schemas.microsoft.com/office/drawing/2010/main">
                 <a:effectLst>
                   <a:outerShdw dist="35921" dir="2700000" algn="ctr" rotWithShape="0">
                     <a:schemeClr val="bg2"/>
@@ -5573,7 +5573,7 @@
     </p:spTree>
     <p:extLst>
       <p:ext uri="{BB962C8B-B14F-4D97-AF65-F5344CB8AC3E}">
-        <p14:creationId xmlns:p14="http://schemas.microsoft.com/office/powerpoint/2010/main" xmlns="" val="326862184"/>
+        <p14:creationId xmlns:p14="http://schemas.microsoft.com/office/powerpoint/2010/main" val="326862184"/>
       </p:ext>
     </p:extLst>
   </p:cSld>
@@ -5735,7 +5735,7 @@
           <a:blip r:embed="rId3" cstate="print">
             <a:extLst>
               <a:ext uri="{28A0092B-C50C-407E-A947-70E740481C1C}">
-                <a14:useLocalDpi xmlns:a14="http://schemas.microsoft.com/office/drawing/2010/main" xmlns="" val="0"/>
+                <a14:useLocalDpi xmlns:a14="http://schemas.microsoft.com/office/drawing/2010/main" val="0"/>
               </a:ext>
             </a:extLst>
           </a:blip>
@@ -5746,7 +5746,7 @@
         </p:blipFill>
         <p:spPr bwMode="auto">
           <a:xfrm>
-            <a:off x="1981200" y="2971800"/>
+            <a:off x="1981200" y="2952750"/>
             <a:ext cx="4829175" cy="2609850"/>
           </a:xfrm>
           <a:prstGeom prst="rect">
@@ -5759,14 +5759,14 @@
           <a:effectLst/>
           <a:extLst>
             <a:ext uri="{909E8E84-426E-40DD-AFC4-6F175D3DCCD1}">
-              <a14:hiddenFill xmlns:a14="http://schemas.microsoft.com/office/drawing/2010/main" xmlns="">
+              <a14:hiddenFill xmlns:a14="http://schemas.microsoft.com/office/drawing/2010/main">
                 <a:solidFill>
                   <a:schemeClr val="accent1"/>
                 </a:solidFill>
               </a14:hiddenFill>
             </a:ext>
             <a:ext uri="{91240B29-F687-4F45-9708-019B960494DF}">
-              <a14:hiddenLine xmlns:a14="http://schemas.microsoft.com/office/drawing/2010/main" xmlns="" w="9525">
+              <a14:hiddenLine xmlns:a14="http://schemas.microsoft.com/office/drawing/2010/main" w="9525">
                 <a:solidFill>
                   <a:schemeClr val="tx1"/>
                 </a:solidFill>
@@ -5776,7 +5776,7 @@
               </a14:hiddenLine>
             </a:ext>
             <a:ext uri="{AF507438-7753-43E0-B8FC-AC1667EBCBE1}">
-              <a14:hiddenEffects xmlns:a14="http://schemas.microsoft.com/office/drawing/2010/main" xmlns="">
+              <a14:hiddenEffects xmlns:a14="http://schemas.microsoft.com/office/drawing/2010/main">
                 <a:effectLst>
                   <a:outerShdw dist="35921" dir="2700000" algn="ctr" rotWithShape="0">
                     <a:schemeClr val="bg2"/>
@@ -5790,7 +5790,7 @@
     </p:spTree>
     <p:extLst>
       <p:ext uri="{BB962C8B-B14F-4D97-AF65-F5344CB8AC3E}">
-        <p14:creationId xmlns:p14="http://schemas.microsoft.com/office/powerpoint/2010/main" xmlns="" val="2456995207"/>
+        <p14:creationId xmlns:p14="http://schemas.microsoft.com/office/powerpoint/2010/main" val="2456995207"/>
       </p:ext>
     </p:extLst>
   </p:cSld>
@@ -6563,7 +6563,7 @@
     </p:spTree>
     <p:extLst>
       <p:ext uri="{BB962C8B-B14F-4D97-AF65-F5344CB8AC3E}">
-        <p14:creationId xmlns:p14="http://schemas.microsoft.com/office/powerpoint/2010/main" xmlns="" val="146973225"/>
+        <p14:creationId xmlns:p14="http://schemas.microsoft.com/office/powerpoint/2010/main" val="146973225"/>
       </p:ext>
     </p:extLst>
   </p:cSld>
@@ -6894,7 +6894,7 @@
     </p:spTree>
     <p:extLst>
       <p:ext uri="{BB962C8B-B14F-4D97-AF65-F5344CB8AC3E}">
-        <p14:creationId xmlns:p14="http://schemas.microsoft.com/office/powerpoint/2010/main" xmlns="" val="2759874082"/>
+        <p14:creationId xmlns:p14="http://schemas.microsoft.com/office/powerpoint/2010/main" val="2759874082"/>
       </p:ext>
     </p:extLst>
   </p:cSld>
@@ -7014,7 +7014,7 @@
           <a:blip r:embed="rId3" cstate="print">
             <a:extLst>
               <a:ext uri="{28A0092B-C50C-407E-A947-70E740481C1C}">
-                <a14:useLocalDpi xmlns:a14="http://schemas.microsoft.com/office/drawing/2010/main" xmlns="" val="0"/>
+                <a14:useLocalDpi xmlns:a14="http://schemas.microsoft.com/office/drawing/2010/main" val="0"/>
               </a:ext>
             </a:extLst>
           </a:blip>
@@ -7038,14 +7038,14 @@
           <a:effectLst/>
           <a:extLst>
             <a:ext uri="{909E8E84-426E-40DD-AFC4-6F175D3DCCD1}">
-              <a14:hiddenFill xmlns:a14="http://schemas.microsoft.com/office/drawing/2010/main" xmlns="">
+              <a14:hiddenFill xmlns:a14="http://schemas.microsoft.com/office/drawing/2010/main">
                 <a:solidFill>
                   <a:schemeClr val="accent1"/>
                 </a:solidFill>
               </a14:hiddenFill>
             </a:ext>
             <a:ext uri="{91240B29-F687-4F45-9708-019B960494DF}">
-              <a14:hiddenLine xmlns:a14="http://schemas.microsoft.com/office/drawing/2010/main" xmlns="" w="9525">
+              <a14:hiddenLine xmlns:a14="http://schemas.microsoft.com/office/drawing/2010/main" w="9525">
                 <a:solidFill>
                   <a:schemeClr val="tx1"/>
                 </a:solidFill>
@@ -7055,7 +7055,7 @@
               </a14:hiddenLine>
             </a:ext>
             <a:ext uri="{AF507438-7753-43E0-B8FC-AC1667EBCBE1}">
-              <a14:hiddenEffects xmlns:a14="http://schemas.microsoft.com/office/drawing/2010/main" xmlns="">
+              <a14:hiddenEffects xmlns:a14="http://schemas.microsoft.com/office/drawing/2010/main">
                 <a:effectLst>
                   <a:outerShdw dist="35921" dir="2700000" algn="ctr" rotWithShape="0">
                     <a:schemeClr val="bg2"/>
@@ -7069,7 +7069,7 @@
     </p:spTree>
     <p:extLst>
       <p:ext uri="{BB962C8B-B14F-4D97-AF65-F5344CB8AC3E}">
-        <p14:creationId xmlns:p14="http://schemas.microsoft.com/office/powerpoint/2010/main" xmlns="" val="2439921394"/>
+        <p14:creationId xmlns:p14="http://schemas.microsoft.com/office/powerpoint/2010/main" val="2439921394"/>
       </p:ext>
     </p:extLst>
   </p:cSld>
@@ -7205,7 +7205,7 @@
           <a:blip r:embed="rId3" cstate="print">
             <a:extLst>
               <a:ext uri="{28A0092B-C50C-407E-A947-70E740481C1C}">
-                <a14:useLocalDpi xmlns:a14="http://schemas.microsoft.com/office/drawing/2010/main" xmlns="" val="0"/>
+                <a14:useLocalDpi xmlns:a14="http://schemas.microsoft.com/office/drawing/2010/main" val="0"/>
               </a:ext>
             </a:extLst>
           </a:blip>
@@ -7229,14 +7229,14 @@
           <a:effectLst/>
           <a:extLst>
             <a:ext uri="{909E8E84-426E-40DD-AFC4-6F175D3DCCD1}">
-              <a14:hiddenFill xmlns:a14="http://schemas.microsoft.com/office/drawing/2010/main" xmlns="">
+              <a14:hiddenFill xmlns:a14="http://schemas.microsoft.com/office/drawing/2010/main">
                 <a:solidFill>
                   <a:schemeClr val="accent1"/>
                 </a:solidFill>
               </a14:hiddenFill>
             </a:ext>
             <a:ext uri="{91240B29-F687-4F45-9708-019B960494DF}">
-              <a14:hiddenLine xmlns:a14="http://schemas.microsoft.com/office/drawing/2010/main" xmlns="" w="9525">
+              <a14:hiddenLine xmlns:a14="http://schemas.microsoft.com/office/drawing/2010/main" w="9525">
                 <a:solidFill>
                   <a:schemeClr val="tx1"/>
                 </a:solidFill>
@@ -7246,7 +7246,7 @@
               </a14:hiddenLine>
             </a:ext>
             <a:ext uri="{AF507438-7753-43E0-B8FC-AC1667EBCBE1}">
-              <a14:hiddenEffects xmlns:a14="http://schemas.microsoft.com/office/drawing/2010/main" xmlns="">
+              <a14:hiddenEffects xmlns:a14="http://schemas.microsoft.com/office/drawing/2010/main">
                 <a:effectLst>
                   <a:outerShdw dist="35921" dir="2700000" algn="ctr" rotWithShape="0">
                     <a:schemeClr val="bg2"/>
@@ -7260,7 +7260,7 @@
     </p:spTree>
     <p:extLst>
       <p:ext uri="{BB962C8B-B14F-4D97-AF65-F5344CB8AC3E}">
-        <p14:creationId xmlns:p14="http://schemas.microsoft.com/office/powerpoint/2010/main" xmlns="" val="2240964106"/>
+        <p14:creationId xmlns:p14="http://schemas.microsoft.com/office/powerpoint/2010/main" val="2240964106"/>
       </p:ext>
     </p:extLst>
   </p:cSld>
@@ -7516,7 +7516,7 @@
     </p:spTree>
     <p:extLst>
       <p:ext uri="{BB962C8B-B14F-4D97-AF65-F5344CB8AC3E}">
-        <p14:creationId xmlns:p14="http://schemas.microsoft.com/office/powerpoint/2010/main" xmlns="" val="1292310166"/>
+        <p14:creationId xmlns:p14="http://schemas.microsoft.com/office/powerpoint/2010/main" val="1292310166"/>
       </p:ext>
     </p:extLst>
   </p:cSld>
@@ -7743,7 +7743,7 @@
           <a:blip r:embed="rId3" cstate="print">
             <a:extLst>
               <a:ext uri="{28A0092B-C50C-407E-A947-70E740481C1C}">
-                <a14:useLocalDpi xmlns:a14="http://schemas.microsoft.com/office/drawing/2010/main" xmlns="" val="0"/>
+                <a14:useLocalDpi xmlns:a14="http://schemas.microsoft.com/office/drawing/2010/main" val="0"/>
               </a:ext>
             </a:extLst>
           </a:blip>
@@ -7767,14 +7767,14 @@
           <a:effectLst/>
           <a:extLst>
             <a:ext uri="{909E8E84-426E-40DD-AFC4-6F175D3DCCD1}">
-              <a14:hiddenFill xmlns:a14="http://schemas.microsoft.com/office/drawing/2010/main" xmlns="">
+              <a14:hiddenFill xmlns:a14="http://schemas.microsoft.com/office/drawing/2010/main">
                 <a:solidFill>
                   <a:schemeClr val="accent1"/>
                 </a:solidFill>
               </a14:hiddenFill>
             </a:ext>
             <a:ext uri="{91240B29-F687-4F45-9708-019B960494DF}">
-              <a14:hiddenLine xmlns:a14="http://schemas.microsoft.com/office/drawing/2010/main" xmlns="" w="9525">
+              <a14:hiddenLine xmlns:a14="http://schemas.microsoft.com/office/drawing/2010/main" w="9525">
                 <a:solidFill>
                   <a:schemeClr val="tx1"/>
                 </a:solidFill>
@@ -7784,7 +7784,7 @@
               </a14:hiddenLine>
             </a:ext>
             <a:ext uri="{AF507438-7753-43E0-B8FC-AC1667EBCBE1}">
-              <a14:hiddenEffects xmlns:a14="http://schemas.microsoft.com/office/drawing/2010/main" xmlns="">
+              <a14:hiddenEffects xmlns:a14="http://schemas.microsoft.com/office/drawing/2010/main">
                 <a:effectLst>
                   <a:outerShdw dist="35921" dir="2700000" algn="ctr" rotWithShape="0">
                     <a:schemeClr val="bg2"/>
@@ -7798,7 +7798,7 @@
     </p:spTree>
     <p:extLst>
       <p:ext uri="{BB962C8B-B14F-4D97-AF65-F5344CB8AC3E}">
-        <p14:creationId xmlns:p14="http://schemas.microsoft.com/office/powerpoint/2010/main" xmlns="" val="3355428707"/>
+        <p14:creationId xmlns:p14="http://schemas.microsoft.com/office/powerpoint/2010/main" val="3355428707"/>
       </p:ext>
     </p:extLst>
   </p:cSld>
@@ -7982,7 +7982,7 @@
     </p:spTree>
     <p:extLst>
       <p:ext uri="{BB962C8B-B14F-4D97-AF65-F5344CB8AC3E}">
-        <p14:creationId xmlns:p14="http://schemas.microsoft.com/office/powerpoint/2010/main" xmlns="" val="3514052522"/>
+        <p14:creationId xmlns:p14="http://schemas.microsoft.com/office/powerpoint/2010/main" val="3514052522"/>
       </p:ext>
     </p:extLst>
   </p:cSld>
